--- a/test/fixtures/blipFill.srcRect.pptx
+++ b/test/fixtures/blipFill.srcRect.pptx
@@ -3516,48 +3516,6 @@
           <a:chExt cx="0" cy="0"/>
         </a:xfrm>
       </p:grpSpPr>
-      <p:sp>
-        <p:nvSpPr>
-          <p:cNvPr id="2" name="标题 1"/>
-          <p:cNvSpPr>
-            <a:spLocks noGrp="1"/>
-          </p:cNvSpPr>
-          <p:nvPr>
-            <p:ph type="ctrTitle"/>
-          </p:nvPr>
-        </p:nvSpPr>
-        <p:spPr/>
-        <p:txBody>
-          <a:bodyPr/>
-          <a:lstStyle/>
-          <a:p>
-            <a:endParaRPr lang="zh-CN" altLang="en-US" dirty="0">
-              <a:effectLst/>
-            </a:endParaRPr>
-          </a:p>
-        </p:txBody>
-      </p:sp>
-      <p:sp>
-        <p:nvSpPr>
-          <p:cNvPr id="5" name="副标题 4"/>
-          <p:cNvSpPr>
-            <a:spLocks noGrp="1"/>
-          </p:cNvSpPr>
-          <p:nvPr>
-            <p:ph type="subTitle" idx="1"/>
-          </p:nvPr>
-        </p:nvSpPr>
-        <p:spPr/>
-        <p:txBody>
-          <a:bodyPr/>
-          <a:lstStyle/>
-          <a:p>
-            <a:endParaRPr lang="zh-CN" altLang="en-US" dirty="0">
-              <a:latin typeface="+mn-lt"/>
-            </a:endParaRPr>
-          </a:p>
-        </p:txBody>
-      </p:sp>
       <p:pic>
         <p:nvPicPr>
           <p:cNvPr id="6" name="图片 5" descr="example"/>
@@ -3575,8 +3533,153 @@
         </p:blipFill>
         <p:spPr>
           <a:xfrm>
-            <a:off x="2667000" y="0"/>
-            <a:ext cx="6858000" cy="6858000"/>
+            <a:off x="0" y="0"/>
+            <a:ext cx="2674620" cy="2674620"/>
+          </a:xfrm>
+          <a:prstGeom prst="rect">
+            <a:avLst/>
+          </a:prstGeom>
+        </p:spPr>
+      </p:pic>
+      <p:pic>
+        <p:nvPicPr>
+          <p:cNvPr id="3" name="图片 2" descr="example"/>
+          <p:cNvPicPr>
+            <a:picLocks noChangeAspect="1"/>
+          </p:cNvPicPr>
+          <p:nvPr>
+            <p:custDataLst>
+              <p:tags r:id="rId2"/>
+            </p:custDataLst>
+          </p:nvPr>
+        </p:nvPicPr>
+        <p:blipFill>
+          <a:blip r:embed="rId1"/>
+          <a:srcRect l="51476" r="-618"/>
+          <a:stretch>
+            <a:fillRect/>
+          </a:stretch>
+        </p:blipFill>
+        <p:spPr>
+          <a:xfrm>
+            <a:off x="2801620" y="0"/>
+            <a:ext cx="2674620" cy="2674620"/>
+          </a:xfrm>
+          <a:prstGeom prst="rect">
+            <a:avLst/>
+          </a:prstGeom>
+        </p:spPr>
+      </p:pic>
+      <p:pic>
+        <p:nvPicPr>
+          <p:cNvPr id="4" name="图片 3" descr="example"/>
+          <p:cNvPicPr>
+            <a:picLocks noChangeAspect="1"/>
+          </p:cNvPicPr>
+          <p:nvPr>
+            <p:custDataLst>
+              <p:tags r:id="rId3"/>
+            </p:custDataLst>
+          </p:nvPr>
+        </p:nvPicPr>
+        <p:blipFill>
+          <a:blip r:embed="rId1"/>
+          <a:srcRect l="-67972" t="-80231" r="-2140"/>
+          <a:stretch>
+            <a:fillRect/>
+          </a:stretch>
+        </p:blipFill>
+        <p:spPr>
+          <a:xfrm>
+            <a:off x="5476240" y="0"/>
+            <a:ext cx="2674620" cy="2674620"/>
+          </a:xfrm>
+          <a:prstGeom prst="rect">
+            <a:avLst/>
+          </a:prstGeom>
+        </p:spPr>
+      </p:pic>
+      <p:pic>
+        <p:nvPicPr>
+          <p:cNvPr id="7" name="图片 6" descr="example"/>
+          <p:cNvPicPr>
+            <a:picLocks noChangeAspect="1"/>
+          </p:cNvPicPr>
+          <p:nvPr>
+            <p:custDataLst>
+              <p:tags r:id="rId4"/>
+            </p:custDataLst>
+          </p:nvPr>
+        </p:nvPicPr>
+        <p:blipFill>
+          <a:blip r:embed="rId1"/>
+          <a:srcRect l="8161" t="11296" r="19925" b="38934"/>
+          <a:stretch>
+            <a:fillRect/>
+          </a:stretch>
+        </p:blipFill>
+        <p:spPr>
+          <a:xfrm>
+            <a:off x="8325485" y="0"/>
+            <a:ext cx="2674620" cy="2674620"/>
+          </a:xfrm>
+          <a:prstGeom prst="rect">
+            <a:avLst/>
+          </a:prstGeom>
+        </p:spPr>
+      </p:pic>
+      <p:pic>
+        <p:nvPicPr>
+          <p:cNvPr id="8" name="图片 7" descr="example"/>
+          <p:cNvPicPr>
+            <a:picLocks noChangeAspect="1"/>
+          </p:cNvPicPr>
+          <p:nvPr>
+            <p:custDataLst>
+              <p:tags r:id="rId5"/>
+            </p:custDataLst>
+          </p:nvPr>
+        </p:nvPicPr>
+        <p:blipFill>
+          <a:blip r:embed="rId1"/>
+          <a:srcRect l="-1045" t="34924" r="1045" b="-34924"/>
+          <a:stretch>
+            <a:fillRect/>
+          </a:stretch>
+        </p:blipFill>
+        <p:spPr>
+          <a:xfrm>
+            <a:off x="-50800" y="2674620"/>
+            <a:ext cx="2674620" cy="2674620"/>
+          </a:xfrm>
+          <a:prstGeom prst="rect">
+            <a:avLst/>
+          </a:prstGeom>
+        </p:spPr>
+      </p:pic>
+      <p:pic>
+        <p:nvPicPr>
+          <p:cNvPr id="9" name="图片 8" descr="example"/>
+          <p:cNvPicPr>
+            <a:picLocks noChangeAspect="1"/>
+          </p:cNvPicPr>
+          <p:nvPr>
+            <p:custDataLst>
+              <p:tags r:id="rId6"/>
+            </p:custDataLst>
+          </p:nvPr>
+        </p:nvPicPr>
+        <p:blipFill>
+          <a:blip r:embed="rId1"/>
+          <a:srcRect l="16032" t="15586" r="12054" b="20489"/>
+          <a:stretch>
+            <a:fillRect/>
+          </a:stretch>
+        </p:blipFill>
+        <p:spPr>
+          <a:xfrm>
+            <a:off x="8325485" y="2674620"/>
+            <a:ext cx="2674620" cy="2674620"/>
           </a:xfrm>
           <a:prstGeom prst="rect">
             <a:avLst/>
@@ -3589,6 +3692,36 @@
     <a:masterClrMapping/>
   </p:clrMapOvr>
 </p:sld>
+</file>
+
+<file path=ppt/tags/tag1.xml><?xml version="1.0" encoding="utf-8"?>
+<p:tagLst xmlns:p="http://schemas.openxmlformats.org/presentationml/2006/main">
+  <p:tag name="KSO_WM_BEAUTIFY_FLAG" val=""/>
+</p:tagLst>
+</file>
+
+<file path=ppt/tags/tag2.xml><?xml version="1.0" encoding="utf-8"?>
+<p:tagLst xmlns:p="http://schemas.openxmlformats.org/presentationml/2006/main">
+  <p:tag name="KSO_WM_BEAUTIFY_FLAG" val=""/>
+</p:tagLst>
+</file>
+
+<file path=ppt/tags/tag3.xml><?xml version="1.0" encoding="utf-8"?>
+<p:tagLst xmlns:p="http://schemas.openxmlformats.org/presentationml/2006/main">
+  <p:tag name="KSO_WM_BEAUTIFY_FLAG" val=""/>
+</p:tagLst>
+</file>
+
+<file path=ppt/tags/tag4.xml><?xml version="1.0" encoding="utf-8"?>
+<p:tagLst xmlns:p="http://schemas.openxmlformats.org/presentationml/2006/main">
+  <p:tag name="KSO_WM_BEAUTIFY_FLAG" val=""/>
+</p:tagLst>
+</file>
+
+<file path=ppt/tags/tag5.xml><?xml version="1.0" encoding="utf-8"?>
+<p:tagLst xmlns:p="http://schemas.openxmlformats.org/presentationml/2006/main">
+  <p:tag name="KSO_WM_BEAUTIFY_FLAG" val=""/>
+</p:tagLst>
 </file>
 
 <file path=ppt/theme/theme1.xml><?xml version="1.0" encoding="utf-8"?>
